--- a/ppt 16-9/1056.主永活在我心.pptx
+++ b/ppt 16-9/1056.主永活在我心.pptx
@@ -5,7 +5,7 @@
     <p:sldMasterId id="2147483648" r:id="rId1"/>
   </p:sldMasterIdLst>
   <p:sldIdLst>
-    <p:sldId id="497" r:id="rId2"/>
+    <p:sldId id="498" r:id="rId2"/>
   </p:sldIdLst>
   <p:sldSz cx="12192000" cy="6858000"/>
   <p:notesSz cx="6858000" cy="9144000"/>
@@ -129,7 +129,7 @@
           <p:cNvPr id="2" name="标题 1">
             <a:extLst>
               <a:ext uri="{FF2B5EF4-FFF2-40B4-BE49-F238E27FC236}">
-                <a16:creationId xmlns:a16="http://schemas.microsoft.com/office/drawing/2014/main" id="{87F76CBA-8255-278F-8B36-E25A5F1EEB5A}"/>
+                <a16:creationId xmlns:a16="http://schemas.microsoft.com/office/drawing/2014/main" id="{9DB43B2B-F87D-B760-33AA-F20D12B1CFC6}"/>
               </a:ext>
             </a:extLst>
           </p:cNvPr>
@@ -166,7 +166,7 @@
           <p:cNvPr id="3" name="副标题 2">
             <a:extLst>
               <a:ext uri="{FF2B5EF4-FFF2-40B4-BE49-F238E27FC236}">
-                <a16:creationId xmlns:a16="http://schemas.microsoft.com/office/drawing/2014/main" id="{86AE4C9D-DD11-0650-0EB8-B8091541EAEB}"/>
+                <a16:creationId xmlns:a16="http://schemas.microsoft.com/office/drawing/2014/main" id="{FDD2444D-3767-37CB-0EBF-184C862CA74B}"/>
               </a:ext>
             </a:extLst>
           </p:cNvPr>
@@ -236,7 +236,7 @@
           <p:cNvPr id="4" name="日期占位符 3">
             <a:extLst>
               <a:ext uri="{FF2B5EF4-FFF2-40B4-BE49-F238E27FC236}">
-                <a16:creationId xmlns:a16="http://schemas.microsoft.com/office/drawing/2014/main" id="{D64876E9-EE85-C0A7-35B3-37E25BFFC061}"/>
+                <a16:creationId xmlns:a16="http://schemas.microsoft.com/office/drawing/2014/main" id="{35B45B16-A70B-1EEF-FCFF-409224A9F493}"/>
               </a:ext>
             </a:extLst>
           </p:cNvPr>
@@ -252,7 +252,7 @@
           <a:bodyPr/>
           <a:lstStyle/>
           <a:p>
-            <a:fld id="{A326C0B0-7D35-4503-916C-F98078F8F010}" type="datetimeFigureOut">
+            <a:fld id="{1BA196C1-7F76-4053-87D4-8DFE1C37D999}" type="datetimeFigureOut">
               <a:rPr lang="zh-CN" altLang="en-US" smtClean="0"/>
               <a:t>2024/3/10</a:t>
             </a:fld>
@@ -265,7 +265,7 @@
           <p:cNvPr id="5" name="页脚占位符 4">
             <a:extLst>
               <a:ext uri="{FF2B5EF4-FFF2-40B4-BE49-F238E27FC236}">
-                <a16:creationId xmlns:a16="http://schemas.microsoft.com/office/drawing/2014/main" id="{7BC87F87-B2B7-BFAB-9367-FFD19EFC0516}"/>
+                <a16:creationId xmlns:a16="http://schemas.microsoft.com/office/drawing/2014/main" id="{0CA2FB8E-21E7-CD8F-511F-ACE163566C44}"/>
               </a:ext>
             </a:extLst>
           </p:cNvPr>
@@ -290,7 +290,7 @@
           <p:cNvPr id="6" name="灯片编号占位符 5">
             <a:extLst>
               <a:ext uri="{FF2B5EF4-FFF2-40B4-BE49-F238E27FC236}">
-                <a16:creationId xmlns:a16="http://schemas.microsoft.com/office/drawing/2014/main" id="{DC921B0C-CB32-3BA4-396E-DF871E578429}"/>
+                <a16:creationId xmlns:a16="http://schemas.microsoft.com/office/drawing/2014/main" id="{3E810D0E-E98E-88B3-FDD6-0D24397C0AF0}"/>
               </a:ext>
             </a:extLst>
           </p:cNvPr>
@@ -306,7 +306,7 @@
           <a:bodyPr/>
           <a:lstStyle/>
           <a:p>
-            <a:fld id="{827C9BE7-6310-408F-88FA-8F01B052773F}" type="slidenum">
+            <a:fld id="{833B77E0-984E-4A03-A1B1-03A03CD1702F}" type="slidenum">
               <a:rPr lang="zh-CN" altLang="en-US" smtClean="0"/>
               <a:t>‹#›</a:t>
             </a:fld>
@@ -317,7 +317,7 @@
     </p:spTree>
     <p:extLst>
       <p:ext uri="{BB962C8B-B14F-4D97-AF65-F5344CB8AC3E}">
-        <p14:creationId xmlns:p14="http://schemas.microsoft.com/office/powerpoint/2010/main" val="594313525"/>
+        <p14:creationId xmlns:p14="http://schemas.microsoft.com/office/powerpoint/2010/main" val="3494640127"/>
       </p:ext>
     </p:extLst>
   </p:cSld>
@@ -349,7 +349,7 @@
           <p:cNvPr id="2" name="标题 1">
             <a:extLst>
               <a:ext uri="{FF2B5EF4-FFF2-40B4-BE49-F238E27FC236}">
-                <a16:creationId xmlns:a16="http://schemas.microsoft.com/office/drawing/2014/main" id="{DB1A1043-F159-0770-3731-F0D2F3364691}"/>
+                <a16:creationId xmlns:a16="http://schemas.microsoft.com/office/drawing/2014/main" id="{DCAADD99-AB1C-E8AE-F67B-70D5A1FBCC15}"/>
               </a:ext>
             </a:extLst>
           </p:cNvPr>
@@ -377,7 +377,7 @@
           <p:cNvPr id="3" name="竖排文字占位符 2">
             <a:extLst>
               <a:ext uri="{FF2B5EF4-FFF2-40B4-BE49-F238E27FC236}">
-                <a16:creationId xmlns:a16="http://schemas.microsoft.com/office/drawing/2014/main" id="{3303C9B7-0320-1CD5-0232-91BB320BA6BB}"/>
+                <a16:creationId xmlns:a16="http://schemas.microsoft.com/office/drawing/2014/main" id="{6EEDA689-9A4A-6C2E-A47D-285B5D2F1539}"/>
               </a:ext>
             </a:extLst>
           </p:cNvPr>
@@ -434,7 +434,7 @@
           <p:cNvPr id="4" name="日期占位符 3">
             <a:extLst>
               <a:ext uri="{FF2B5EF4-FFF2-40B4-BE49-F238E27FC236}">
-                <a16:creationId xmlns:a16="http://schemas.microsoft.com/office/drawing/2014/main" id="{D763B8AE-648E-09D3-D16F-6FD296FBA59F}"/>
+                <a16:creationId xmlns:a16="http://schemas.microsoft.com/office/drawing/2014/main" id="{07B707B1-459B-883A-3DF7-D5198E2F1164}"/>
               </a:ext>
             </a:extLst>
           </p:cNvPr>
@@ -450,7 +450,7 @@
           <a:bodyPr/>
           <a:lstStyle/>
           <a:p>
-            <a:fld id="{A326C0B0-7D35-4503-916C-F98078F8F010}" type="datetimeFigureOut">
+            <a:fld id="{1BA196C1-7F76-4053-87D4-8DFE1C37D999}" type="datetimeFigureOut">
               <a:rPr lang="zh-CN" altLang="en-US" smtClean="0"/>
               <a:t>2024/3/10</a:t>
             </a:fld>
@@ -463,7 +463,7 @@
           <p:cNvPr id="5" name="页脚占位符 4">
             <a:extLst>
               <a:ext uri="{FF2B5EF4-FFF2-40B4-BE49-F238E27FC236}">
-                <a16:creationId xmlns:a16="http://schemas.microsoft.com/office/drawing/2014/main" id="{8CDE18DD-3658-F59E-DC21-8DC9D7997B62}"/>
+                <a16:creationId xmlns:a16="http://schemas.microsoft.com/office/drawing/2014/main" id="{1AB5B3A5-4154-7DB0-C1A7-F40F3ED79E57}"/>
               </a:ext>
             </a:extLst>
           </p:cNvPr>
@@ -488,7 +488,7 @@
           <p:cNvPr id="6" name="灯片编号占位符 5">
             <a:extLst>
               <a:ext uri="{FF2B5EF4-FFF2-40B4-BE49-F238E27FC236}">
-                <a16:creationId xmlns:a16="http://schemas.microsoft.com/office/drawing/2014/main" id="{7AC5275B-C1CF-A8EA-C2E5-A52BA5E7F609}"/>
+                <a16:creationId xmlns:a16="http://schemas.microsoft.com/office/drawing/2014/main" id="{1797DF8F-EB57-EE5F-4545-DBFEAE0E7868}"/>
               </a:ext>
             </a:extLst>
           </p:cNvPr>
@@ -504,7 +504,7 @@
           <a:bodyPr/>
           <a:lstStyle/>
           <a:p>
-            <a:fld id="{827C9BE7-6310-408F-88FA-8F01B052773F}" type="slidenum">
+            <a:fld id="{833B77E0-984E-4A03-A1B1-03A03CD1702F}" type="slidenum">
               <a:rPr lang="zh-CN" altLang="en-US" smtClean="0"/>
               <a:t>‹#›</a:t>
             </a:fld>
@@ -515,7 +515,7 @@
     </p:spTree>
     <p:extLst>
       <p:ext uri="{BB962C8B-B14F-4D97-AF65-F5344CB8AC3E}">
-        <p14:creationId xmlns:p14="http://schemas.microsoft.com/office/powerpoint/2010/main" val="215487778"/>
+        <p14:creationId xmlns:p14="http://schemas.microsoft.com/office/powerpoint/2010/main" val="1089830287"/>
       </p:ext>
     </p:extLst>
   </p:cSld>
@@ -547,7 +547,7 @@
           <p:cNvPr id="2" name="竖排标题 1">
             <a:extLst>
               <a:ext uri="{FF2B5EF4-FFF2-40B4-BE49-F238E27FC236}">
-                <a16:creationId xmlns:a16="http://schemas.microsoft.com/office/drawing/2014/main" id="{AEADB93B-FD66-29D9-FC61-D8A83BB3B377}"/>
+                <a16:creationId xmlns:a16="http://schemas.microsoft.com/office/drawing/2014/main" id="{38844728-EB90-07CA-D3C6-548F0A99C1EE}"/>
               </a:ext>
             </a:extLst>
           </p:cNvPr>
@@ -580,7 +580,7 @@
           <p:cNvPr id="3" name="竖排文字占位符 2">
             <a:extLst>
               <a:ext uri="{FF2B5EF4-FFF2-40B4-BE49-F238E27FC236}">
-                <a16:creationId xmlns:a16="http://schemas.microsoft.com/office/drawing/2014/main" id="{11F73719-3E1A-56EA-1270-EBBA74B41261}"/>
+                <a16:creationId xmlns:a16="http://schemas.microsoft.com/office/drawing/2014/main" id="{A42E266D-5C61-3B7E-DE2C-CC61FA038BC0}"/>
               </a:ext>
             </a:extLst>
           </p:cNvPr>
@@ -642,7 +642,7 @@
           <p:cNvPr id="4" name="日期占位符 3">
             <a:extLst>
               <a:ext uri="{FF2B5EF4-FFF2-40B4-BE49-F238E27FC236}">
-                <a16:creationId xmlns:a16="http://schemas.microsoft.com/office/drawing/2014/main" id="{6124CA90-8503-ABFB-D402-E9B6FF1B3CE0}"/>
+                <a16:creationId xmlns:a16="http://schemas.microsoft.com/office/drawing/2014/main" id="{5404A0C5-D563-C584-B7D9-4497B808F63C}"/>
               </a:ext>
             </a:extLst>
           </p:cNvPr>
@@ -658,7 +658,7 @@
           <a:bodyPr/>
           <a:lstStyle/>
           <a:p>
-            <a:fld id="{A326C0B0-7D35-4503-916C-F98078F8F010}" type="datetimeFigureOut">
+            <a:fld id="{1BA196C1-7F76-4053-87D4-8DFE1C37D999}" type="datetimeFigureOut">
               <a:rPr lang="zh-CN" altLang="en-US" smtClean="0"/>
               <a:t>2024/3/10</a:t>
             </a:fld>
@@ -671,7 +671,7 @@
           <p:cNvPr id="5" name="页脚占位符 4">
             <a:extLst>
               <a:ext uri="{FF2B5EF4-FFF2-40B4-BE49-F238E27FC236}">
-                <a16:creationId xmlns:a16="http://schemas.microsoft.com/office/drawing/2014/main" id="{1F24AE4F-5062-A9A3-7D18-93F4319A4476}"/>
+                <a16:creationId xmlns:a16="http://schemas.microsoft.com/office/drawing/2014/main" id="{E35722E8-0E81-06F2-E2D2-9BC5A921E00E}"/>
               </a:ext>
             </a:extLst>
           </p:cNvPr>
@@ -696,7 +696,7 @@
           <p:cNvPr id="6" name="灯片编号占位符 5">
             <a:extLst>
               <a:ext uri="{FF2B5EF4-FFF2-40B4-BE49-F238E27FC236}">
-                <a16:creationId xmlns:a16="http://schemas.microsoft.com/office/drawing/2014/main" id="{A55E170F-6B9E-EB7C-4771-82DA61DB79F5}"/>
+                <a16:creationId xmlns:a16="http://schemas.microsoft.com/office/drawing/2014/main" id="{2F1C30D9-8A77-9E00-C83B-1FA96CC667E0}"/>
               </a:ext>
             </a:extLst>
           </p:cNvPr>
@@ -712,7 +712,7 @@
           <a:bodyPr/>
           <a:lstStyle/>
           <a:p>
-            <a:fld id="{827C9BE7-6310-408F-88FA-8F01B052773F}" type="slidenum">
+            <a:fld id="{833B77E0-984E-4A03-A1B1-03A03CD1702F}" type="slidenum">
               <a:rPr lang="zh-CN" altLang="en-US" smtClean="0"/>
               <a:t>‹#›</a:t>
             </a:fld>
@@ -723,7 +723,7 @@
     </p:spTree>
     <p:extLst>
       <p:ext uri="{BB962C8B-B14F-4D97-AF65-F5344CB8AC3E}">
-        <p14:creationId xmlns:p14="http://schemas.microsoft.com/office/powerpoint/2010/main" val="4053157472"/>
+        <p14:creationId xmlns:p14="http://schemas.microsoft.com/office/powerpoint/2010/main" val="2701079272"/>
       </p:ext>
     </p:extLst>
   </p:cSld>
@@ -755,7 +755,7 @@
           <p:cNvPr id="2" name="标题 1">
             <a:extLst>
               <a:ext uri="{FF2B5EF4-FFF2-40B4-BE49-F238E27FC236}">
-                <a16:creationId xmlns:a16="http://schemas.microsoft.com/office/drawing/2014/main" id="{D5365524-1D68-DFE9-2ACE-3C6A9887195F}"/>
+                <a16:creationId xmlns:a16="http://schemas.microsoft.com/office/drawing/2014/main" id="{57EC104F-BD28-A815-D7C2-34C340969A81}"/>
               </a:ext>
             </a:extLst>
           </p:cNvPr>
@@ -783,7 +783,7 @@
           <p:cNvPr id="3" name="内容占位符 2">
             <a:extLst>
               <a:ext uri="{FF2B5EF4-FFF2-40B4-BE49-F238E27FC236}">
-                <a16:creationId xmlns:a16="http://schemas.microsoft.com/office/drawing/2014/main" id="{0BE3C6E7-715C-5206-FA4D-68D6A5251471}"/>
+                <a16:creationId xmlns:a16="http://schemas.microsoft.com/office/drawing/2014/main" id="{29EC3195-49C3-255E-494A-DB21D52E2DFF}"/>
               </a:ext>
             </a:extLst>
           </p:cNvPr>
@@ -840,7 +840,7 @@
           <p:cNvPr id="4" name="日期占位符 3">
             <a:extLst>
               <a:ext uri="{FF2B5EF4-FFF2-40B4-BE49-F238E27FC236}">
-                <a16:creationId xmlns:a16="http://schemas.microsoft.com/office/drawing/2014/main" id="{BDD222E7-218C-AD99-2E31-AC95EC56A58F}"/>
+                <a16:creationId xmlns:a16="http://schemas.microsoft.com/office/drawing/2014/main" id="{2E004762-4F57-FF36-B229-4CAE31FC537A}"/>
               </a:ext>
             </a:extLst>
           </p:cNvPr>
@@ -856,7 +856,7 @@
           <a:bodyPr/>
           <a:lstStyle/>
           <a:p>
-            <a:fld id="{A326C0B0-7D35-4503-916C-F98078F8F010}" type="datetimeFigureOut">
+            <a:fld id="{1BA196C1-7F76-4053-87D4-8DFE1C37D999}" type="datetimeFigureOut">
               <a:rPr lang="zh-CN" altLang="en-US" smtClean="0"/>
               <a:t>2024/3/10</a:t>
             </a:fld>
@@ -869,7 +869,7 @@
           <p:cNvPr id="5" name="页脚占位符 4">
             <a:extLst>
               <a:ext uri="{FF2B5EF4-FFF2-40B4-BE49-F238E27FC236}">
-                <a16:creationId xmlns:a16="http://schemas.microsoft.com/office/drawing/2014/main" id="{C3D6AFE3-0DFB-3B62-6A2B-AB738AD80764}"/>
+                <a16:creationId xmlns:a16="http://schemas.microsoft.com/office/drawing/2014/main" id="{B4488C49-88BE-DC93-22AB-824C0769A72C}"/>
               </a:ext>
             </a:extLst>
           </p:cNvPr>
@@ -894,7 +894,7 @@
           <p:cNvPr id="6" name="灯片编号占位符 5">
             <a:extLst>
               <a:ext uri="{FF2B5EF4-FFF2-40B4-BE49-F238E27FC236}">
-                <a16:creationId xmlns:a16="http://schemas.microsoft.com/office/drawing/2014/main" id="{926EEC2B-0641-A244-E007-91A53054F1B8}"/>
+                <a16:creationId xmlns:a16="http://schemas.microsoft.com/office/drawing/2014/main" id="{285F069D-985C-F06D-08E1-6B6061F9274B}"/>
               </a:ext>
             </a:extLst>
           </p:cNvPr>
@@ -910,7 +910,7 @@
           <a:bodyPr/>
           <a:lstStyle/>
           <a:p>
-            <a:fld id="{827C9BE7-6310-408F-88FA-8F01B052773F}" type="slidenum">
+            <a:fld id="{833B77E0-984E-4A03-A1B1-03A03CD1702F}" type="slidenum">
               <a:rPr lang="zh-CN" altLang="en-US" smtClean="0"/>
               <a:t>‹#›</a:t>
             </a:fld>
@@ -921,7 +921,7 @@
     </p:spTree>
     <p:extLst>
       <p:ext uri="{BB962C8B-B14F-4D97-AF65-F5344CB8AC3E}">
-        <p14:creationId xmlns:p14="http://schemas.microsoft.com/office/powerpoint/2010/main" val="134913473"/>
+        <p14:creationId xmlns:p14="http://schemas.microsoft.com/office/powerpoint/2010/main" val="342630928"/>
       </p:ext>
     </p:extLst>
   </p:cSld>
@@ -953,7 +953,7 @@
           <p:cNvPr id="2" name="标题 1">
             <a:extLst>
               <a:ext uri="{FF2B5EF4-FFF2-40B4-BE49-F238E27FC236}">
-                <a16:creationId xmlns:a16="http://schemas.microsoft.com/office/drawing/2014/main" id="{4CD38EFE-8608-BF77-61F9-3E2D7243DFC9}"/>
+                <a16:creationId xmlns:a16="http://schemas.microsoft.com/office/drawing/2014/main" id="{84C404D8-3EE9-0EF7-C7A7-E0AF339B3A4D}"/>
               </a:ext>
             </a:extLst>
           </p:cNvPr>
@@ -990,7 +990,7 @@
           <p:cNvPr id="3" name="文本占位符 2">
             <a:extLst>
               <a:ext uri="{FF2B5EF4-FFF2-40B4-BE49-F238E27FC236}">
-                <a16:creationId xmlns:a16="http://schemas.microsoft.com/office/drawing/2014/main" id="{F4C0F9D3-E92A-0EB1-E483-43E5293CC5A3}"/>
+                <a16:creationId xmlns:a16="http://schemas.microsoft.com/office/drawing/2014/main" id="{2443F0EC-1C9F-24A8-1C08-F8C430DC0CCD}"/>
               </a:ext>
             </a:extLst>
           </p:cNvPr>
@@ -1115,7 +1115,7 @@
           <p:cNvPr id="4" name="日期占位符 3">
             <a:extLst>
               <a:ext uri="{FF2B5EF4-FFF2-40B4-BE49-F238E27FC236}">
-                <a16:creationId xmlns:a16="http://schemas.microsoft.com/office/drawing/2014/main" id="{9EA9999E-398E-D6B9-CF1D-6089CED3ACAE}"/>
+                <a16:creationId xmlns:a16="http://schemas.microsoft.com/office/drawing/2014/main" id="{8CC2BC48-597C-A5E1-2663-400D9499E887}"/>
               </a:ext>
             </a:extLst>
           </p:cNvPr>
@@ -1131,7 +1131,7 @@
           <a:bodyPr/>
           <a:lstStyle/>
           <a:p>
-            <a:fld id="{A326C0B0-7D35-4503-916C-F98078F8F010}" type="datetimeFigureOut">
+            <a:fld id="{1BA196C1-7F76-4053-87D4-8DFE1C37D999}" type="datetimeFigureOut">
               <a:rPr lang="zh-CN" altLang="en-US" smtClean="0"/>
               <a:t>2024/3/10</a:t>
             </a:fld>
@@ -1144,7 +1144,7 @@
           <p:cNvPr id="5" name="页脚占位符 4">
             <a:extLst>
               <a:ext uri="{FF2B5EF4-FFF2-40B4-BE49-F238E27FC236}">
-                <a16:creationId xmlns:a16="http://schemas.microsoft.com/office/drawing/2014/main" id="{29BC01B9-A821-B31E-6620-B58FEFED6948}"/>
+                <a16:creationId xmlns:a16="http://schemas.microsoft.com/office/drawing/2014/main" id="{0F3526CC-A0C0-3348-9B10-8C170E651BD6}"/>
               </a:ext>
             </a:extLst>
           </p:cNvPr>
@@ -1169,7 +1169,7 @@
           <p:cNvPr id="6" name="灯片编号占位符 5">
             <a:extLst>
               <a:ext uri="{FF2B5EF4-FFF2-40B4-BE49-F238E27FC236}">
-                <a16:creationId xmlns:a16="http://schemas.microsoft.com/office/drawing/2014/main" id="{14DD217B-AFEB-8C71-D0F0-7DA544062588}"/>
+                <a16:creationId xmlns:a16="http://schemas.microsoft.com/office/drawing/2014/main" id="{23089683-0671-6B1C-2FE8-EEFFD039EBA9}"/>
               </a:ext>
             </a:extLst>
           </p:cNvPr>
@@ -1185,7 +1185,7 @@
           <a:bodyPr/>
           <a:lstStyle/>
           <a:p>
-            <a:fld id="{827C9BE7-6310-408F-88FA-8F01B052773F}" type="slidenum">
+            <a:fld id="{833B77E0-984E-4A03-A1B1-03A03CD1702F}" type="slidenum">
               <a:rPr lang="zh-CN" altLang="en-US" smtClean="0"/>
               <a:t>‹#›</a:t>
             </a:fld>
@@ -1196,7 +1196,7 @@
     </p:spTree>
     <p:extLst>
       <p:ext uri="{BB962C8B-B14F-4D97-AF65-F5344CB8AC3E}">
-        <p14:creationId xmlns:p14="http://schemas.microsoft.com/office/powerpoint/2010/main" val="4275841331"/>
+        <p14:creationId xmlns:p14="http://schemas.microsoft.com/office/powerpoint/2010/main" val="1650088471"/>
       </p:ext>
     </p:extLst>
   </p:cSld>
@@ -1228,7 +1228,7 @@
           <p:cNvPr id="2" name="标题 1">
             <a:extLst>
               <a:ext uri="{FF2B5EF4-FFF2-40B4-BE49-F238E27FC236}">
-                <a16:creationId xmlns:a16="http://schemas.microsoft.com/office/drawing/2014/main" id="{445B7EA2-6A50-40F3-2F71-EDAC5B8EAC91}"/>
+                <a16:creationId xmlns:a16="http://schemas.microsoft.com/office/drawing/2014/main" id="{15DA3B0C-0441-7A8E-C202-0C91C189A6B2}"/>
               </a:ext>
             </a:extLst>
           </p:cNvPr>
@@ -1256,7 +1256,7 @@
           <p:cNvPr id="3" name="内容占位符 2">
             <a:extLst>
               <a:ext uri="{FF2B5EF4-FFF2-40B4-BE49-F238E27FC236}">
-                <a16:creationId xmlns:a16="http://schemas.microsoft.com/office/drawing/2014/main" id="{316F8682-583F-2BC6-D1B1-CB482AC15E1E}"/>
+                <a16:creationId xmlns:a16="http://schemas.microsoft.com/office/drawing/2014/main" id="{FD13DE0C-04B5-2D6A-068F-EBE70D4C073B}"/>
               </a:ext>
             </a:extLst>
           </p:cNvPr>
@@ -1318,7 +1318,7 @@
           <p:cNvPr id="4" name="内容占位符 3">
             <a:extLst>
               <a:ext uri="{FF2B5EF4-FFF2-40B4-BE49-F238E27FC236}">
-                <a16:creationId xmlns:a16="http://schemas.microsoft.com/office/drawing/2014/main" id="{C342A463-8FB4-D385-D2B9-0D9C269F0031}"/>
+                <a16:creationId xmlns:a16="http://schemas.microsoft.com/office/drawing/2014/main" id="{F20C74A6-DFFD-8328-4D55-3675FB2C7EC9}"/>
               </a:ext>
             </a:extLst>
           </p:cNvPr>
@@ -1380,7 +1380,7 @@
           <p:cNvPr id="5" name="日期占位符 4">
             <a:extLst>
               <a:ext uri="{FF2B5EF4-FFF2-40B4-BE49-F238E27FC236}">
-                <a16:creationId xmlns:a16="http://schemas.microsoft.com/office/drawing/2014/main" id="{AC1A3557-4F17-CD98-E596-54F50CA703F2}"/>
+                <a16:creationId xmlns:a16="http://schemas.microsoft.com/office/drawing/2014/main" id="{3ECD5824-E4C5-D728-4E55-53726158D201}"/>
               </a:ext>
             </a:extLst>
           </p:cNvPr>
@@ -1396,7 +1396,7 @@
           <a:bodyPr/>
           <a:lstStyle/>
           <a:p>
-            <a:fld id="{A326C0B0-7D35-4503-916C-F98078F8F010}" type="datetimeFigureOut">
+            <a:fld id="{1BA196C1-7F76-4053-87D4-8DFE1C37D999}" type="datetimeFigureOut">
               <a:rPr lang="zh-CN" altLang="en-US" smtClean="0"/>
               <a:t>2024/3/10</a:t>
             </a:fld>
@@ -1409,7 +1409,7 @@
           <p:cNvPr id="6" name="页脚占位符 5">
             <a:extLst>
               <a:ext uri="{FF2B5EF4-FFF2-40B4-BE49-F238E27FC236}">
-                <a16:creationId xmlns:a16="http://schemas.microsoft.com/office/drawing/2014/main" id="{45685AB3-361A-B6F3-02E0-E165A895C024}"/>
+                <a16:creationId xmlns:a16="http://schemas.microsoft.com/office/drawing/2014/main" id="{896A019E-A1F9-ECFA-73AA-58B89BE133CC}"/>
               </a:ext>
             </a:extLst>
           </p:cNvPr>
@@ -1434,7 +1434,7 @@
           <p:cNvPr id="7" name="灯片编号占位符 6">
             <a:extLst>
               <a:ext uri="{FF2B5EF4-FFF2-40B4-BE49-F238E27FC236}">
-                <a16:creationId xmlns:a16="http://schemas.microsoft.com/office/drawing/2014/main" id="{0F2C494F-F2A1-5981-8F6F-4256FB94AF0F}"/>
+                <a16:creationId xmlns:a16="http://schemas.microsoft.com/office/drawing/2014/main" id="{7419A7FC-C6E7-5EF8-BD8E-3EEE436E3364}"/>
               </a:ext>
             </a:extLst>
           </p:cNvPr>
@@ -1450,7 +1450,7 @@
           <a:bodyPr/>
           <a:lstStyle/>
           <a:p>
-            <a:fld id="{827C9BE7-6310-408F-88FA-8F01B052773F}" type="slidenum">
+            <a:fld id="{833B77E0-984E-4A03-A1B1-03A03CD1702F}" type="slidenum">
               <a:rPr lang="zh-CN" altLang="en-US" smtClean="0"/>
               <a:t>‹#›</a:t>
             </a:fld>
@@ -1461,7 +1461,7 @@
     </p:spTree>
     <p:extLst>
       <p:ext uri="{BB962C8B-B14F-4D97-AF65-F5344CB8AC3E}">
-        <p14:creationId xmlns:p14="http://schemas.microsoft.com/office/powerpoint/2010/main" val="3703430273"/>
+        <p14:creationId xmlns:p14="http://schemas.microsoft.com/office/powerpoint/2010/main" val="889506279"/>
       </p:ext>
     </p:extLst>
   </p:cSld>
@@ -1493,7 +1493,7 @@
           <p:cNvPr id="2" name="标题 1">
             <a:extLst>
               <a:ext uri="{FF2B5EF4-FFF2-40B4-BE49-F238E27FC236}">
-                <a16:creationId xmlns:a16="http://schemas.microsoft.com/office/drawing/2014/main" id="{F4F4934F-6D5C-0B69-3252-21AE0568B842}"/>
+                <a16:creationId xmlns:a16="http://schemas.microsoft.com/office/drawing/2014/main" id="{E6F891EE-C704-4B73-5BF3-354888DAC35A}"/>
               </a:ext>
             </a:extLst>
           </p:cNvPr>
@@ -1526,7 +1526,7 @@
           <p:cNvPr id="3" name="文本占位符 2">
             <a:extLst>
               <a:ext uri="{FF2B5EF4-FFF2-40B4-BE49-F238E27FC236}">
-                <a16:creationId xmlns:a16="http://schemas.microsoft.com/office/drawing/2014/main" id="{9E08E686-FC74-51E9-EEBF-263B04F4E81A}"/>
+                <a16:creationId xmlns:a16="http://schemas.microsoft.com/office/drawing/2014/main" id="{56D82D71-651B-E001-BECB-93FA6F01B7ED}"/>
               </a:ext>
             </a:extLst>
           </p:cNvPr>
@@ -1597,7 +1597,7 @@
           <p:cNvPr id="4" name="内容占位符 3">
             <a:extLst>
               <a:ext uri="{FF2B5EF4-FFF2-40B4-BE49-F238E27FC236}">
-                <a16:creationId xmlns:a16="http://schemas.microsoft.com/office/drawing/2014/main" id="{8F3473A0-3EED-C47D-FF97-252A2EFD113E}"/>
+                <a16:creationId xmlns:a16="http://schemas.microsoft.com/office/drawing/2014/main" id="{4798C692-2B55-05CC-9C49-D1DCCBF919E1}"/>
               </a:ext>
             </a:extLst>
           </p:cNvPr>
@@ -1659,7 +1659,7 @@
           <p:cNvPr id="5" name="文本占位符 4">
             <a:extLst>
               <a:ext uri="{FF2B5EF4-FFF2-40B4-BE49-F238E27FC236}">
-                <a16:creationId xmlns:a16="http://schemas.microsoft.com/office/drawing/2014/main" id="{7E7D3908-3691-EE1B-C5AC-EB967919296F}"/>
+                <a16:creationId xmlns:a16="http://schemas.microsoft.com/office/drawing/2014/main" id="{87BD894C-5A3F-F475-577A-E086224E46B1}"/>
               </a:ext>
             </a:extLst>
           </p:cNvPr>
@@ -1730,7 +1730,7 @@
           <p:cNvPr id="6" name="内容占位符 5">
             <a:extLst>
               <a:ext uri="{FF2B5EF4-FFF2-40B4-BE49-F238E27FC236}">
-                <a16:creationId xmlns:a16="http://schemas.microsoft.com/office/drawing/2014/main" id="{8C87C64F-6BF0-3E9F-748B-2CC86E9F34FF}"/>
+                <a16:creationId xmlns:a16="http://schemas.microsoft.com/office/drawing/2014/main" id="{FBC072C6-D990-8C34-8954-DEB0C35CF77B}"/>
               </a:ext>
             </a:extLst>
           </p:cNvPr>
@@ -1792,7 +1792,7 @@
           <p:cNvPr id="7" name="日期占位符 6">
             <a:extLst>
               <a:ext uri="{FF2B5EF4-FFF2-40B4-BE49-F238E27FC236}">
-                <a16:creationId xmlns:a16="http://schemas.microsoft.com/office/drawing/2014/main" id="{DCE3AF3F-0B66-8E49-CC1A-D1D6D01C26A7}"/>
+                <a16:creationId xmlns:a16="http://schemas.microsoft.com/office/drawing/2014/main" id="{4861091F-30CA-5527-EB4F-DEC63E58E916}"/>
               </a:ext>
             </a:extLst>
           </p:cNvPr>
@@ -1808,7 +1808,7 @@
           <a:bodyPr/>
           <a:lstStyle/>
           <a:p>
-            <a:fld id="{A326C0B0-7D35-4503-916C-F98078F8F010}" type="datetimeFigureOut">
+            <a:fld id="{1BA196C1-7F76-4053-87D4-8DFE1C37D999}" type="datetimeFigureOut">
               <a:rPr lang="zh-CN" altLang="en-US" smtClean="0"/>
               <a:t>2024/3/10</a:t>
             </a:fld>
@@ -1821,7 +1821,7 @@
           <p:cNvPr id="8" name="页脚占位符 7">
             <a:extLst>
               <a:ext uri="{FF2B5EF4-FFF2-40B4-BE49-F238E27FC236}">
-                <a16:creationId xmlns:a16="http://schemas.microsoft.com/office/drawing/2014/main" id="{F9CFDFF5-3A2B-3F7C-8CB6-E2DC8F13EB57}"/>
+                <a16:creationId xmlns:a16="http://schemas.microsoft.com/office/drawing/2014/main" id="{9C8EC9C5-58AB-2C0D-598B-39FE56582F33}"/>
               </a:ext>
             </a:extLst>
           </p:cNvPr>
@@ -1846,7 +1846,7 @@
           <p:cNvPr id="9" name="灯片编号占位符 8">
             <a:extLst>
               <a:ext uri="{FF2B5EF4-FFF2-40B4-BE49-F238E27FC236}">
-                <a16:creationId xmlns:a16="http://schemas.microsoft.com/office/drawing/2014/main" id="{F4FBE29C-D789-5E61-3235-6247F918145C}"/>
+                <a16:creationId xmlns:a16="http://schemas.microsoft.com/office/drawing/2014/main" id="{D6F13232-51AB-C55A-998B-D5D5A4921357}"/>
               </a:ext>
             </a:extLst>
           </p:cNvPr>
@@ -1862,7 +1862,7 @@
           <a:bodyPr/>
           <a:lstStyle/>
           <a:p>
-            <a:fld id="{827C9BE7-6310-408F-88FA-8F01B052773F}" type="slidenum">
+            <a:fld id="{833B77E0-984E-4A03-A1B1-03A03CD1702F}" type="slidenum">
               <a:rPr lang="zh-CN" altLang="en-US" smtClean="0"/>
               <a:t>‹#›</a:t>
             </a:fld>
@@ -1873,7 +1873,7 @@
     </p:spTree>
     <p:extLst>
       <p:ext uri="{BB962C8B-B14F-4D97-AF65-F5344CB8AC3E}">
-        <p14:creationId xmlns:p14="http://schemas.microsoft.com/office/powerpoint/2010/main" val="2692940714"/>
+        <p14:creationId xmlns:p14="http://schemas.microsoft.com/office/powerpoint/2010/main" val="3944246051"/>
       </p:ext>
     </p:extLst>
   </p:cSld>
@@ -1905,7 +1905,7 @@
           <p:cNvPr id="2" name="标题 1">
             <a:extLst>
               <a:ext uri="{FF2B5EF4-FFF2-40B4-BE49-F238E27FC236}">
-                <a16:creationId xmlns:a16="http://schemas.microsoft.com/office/drawing/2014/main" id="{578774A8-5E8E-D8D9-05BF-097F30915638}"/>
+                <a16:creationId xmlns:a16="http://schemas.microsoft.com/office/drawing/2014/main" id="{81124F49-37D5-D38B-7C74-C680BB514434}"/>
               </a:ext>
             </a:extLst>
           </p:cNvPr>
@@ -1933,7 +1933,7 @@
           <p:cNvPr id="3" name="日期占位符 2">
             <a:extLst>
               <a:ext uri="{FF2B5EF4-FFF2-40B4-BE49-F238E27FC236}">
-                <a16:creationId xmlns:a16="http://schemas.microsoft.com/office/drawing/2014/main" id="{AE84474E-8CA5-12CD-EAFF-3244FE2A2238}"/>
+                <a16:creationId xmlns:a16="http://schemas.microsoft.com/office/drawing/2014/main" id="{320D5641-57F3-4B62-4D06-DD293C9542B7}"/>
               </a:ext>
             </a:extLst>
           </p:cNvPr>
@@ -1949,7 +1949,7 @@
           <a:bodyPr/>
           <a:lstStyle/>
           <a:p>
-            <a:fld id="{A326C0B0-7D35-4503-916C-F98078F8F010}" type="datetimeFigureOut">
+            <a:fld id="{1BA196C1-7F76-4053-87D4-8DFE1C37D999}" type="datetimeFigureOut">
               <a:rPr lang="zh-CN" altLang="en-US" smtClean="0"/>
               <a:t>2024/3/10</a:t>
             </a:fld>
@@ -1962,7 +1962,7 @@
           <p:cNvPr id="4" name="页脚占位符 3">
             <a:extLst>
               <a:ext uri="{FF2B5EF4-FFF2-40B4-BE49-F238E27FC236}">
-                <a16:creationId xmlns:a16="http://schemas.microsoft.com/office/drawing/2014/main" id="{78E71C42-C9E3-CF0E-8968-6EFE91567A07}"/>
+                <a16:creationId xmlns:a16="http://schemas.microsoft.com/office/drawing/2014/main" id="{E951281C-1C36-ABB3-FF8E-785E0C426479}"/>
               </a:ext>
             </a:extLst>
           </p:cNvPr>
@@ -1987,7 +1987,7 @@
           <p:cNvPr id="5" name="灯片编号占位符 4">
             <a:extLst>
               <a:ext uri="{FF2B5EF4-FFF2-40B4-BE49-F238E27FC236}">
-                <a16:creationId xmlns:a16="http://schemas.microsoft.com/office/drawing/2014/main" id="{DCAC88F5-968E-E5C3-DFAB-047882F883DC}"/>
+                <a16:creationId xmlns:a16="http://schemas.microsoft.com/office/drawing/2014/main" id="{0B026B2D-C548-7971-D4DA-483283EF951B}"/>
               </a:ext>
             </a:extLst>
           </p:cNvPr>
@@ -2003,7 +2003,7 @@
           <a:bodyPr/>
           <a:lstStyle/>
           <a:p>
-            <a:fld id="{827C9BE7-6310-408F-88FA-8F01B052773F}" type="slidenum">
+            <a:fld id="{833B77E0-984E-4A03-A1B1-03A03CD1702F}" type="slidenum">
               <a:rPr lang="zh-CN" altLang="en-US" smtClean="0"/>
               <a:t>‹#›</a:t>
             </a:fld>
@@ -2014,7 +2014,7 @@
     </p:spTree>
     <p:extLst>
       <p:ext uri="{BB962C8B-B14F-4D97-AF65-F5344CB8AC3E}">
-        <p14:creationId xmlns:p14="http://schemas.microsoft.com/office/powerpoint/2010/main" val="697114953"/>
+        <p14:creationId xmlns:p14="http://schemas.microsoft.com/office/powerpoint/2010/main" val="3644231961"/>
       </p:ext>
     </p:extLst>
   </p:cSld>
@@ -2046,7 +2046,7 @@
           <p:cNvPr id="2" name="日期占位符 1">
             <a:extLst>
               <a:ext uri="{FF2B5EF4-FFF2-40B4-BE49-F238E27FC236}">
-                <a16:creationId xmlns:a16="http://schemas.microsoft.com/office/drawing/2014/main" id="{D98CBD67-3575-C0B3-0DA0-134F8347C1CB}"/>
+                <a16:creationId xmlns:a16="http://schemas.microsoft.com/office/drawing/2014/main" id="{93BC7AD4-7972-3991-D839-4F6941C7F5DE}"/>
               </a:ext>
             </a:extLst>
           </p:cNvPr>
@@ -2062,7 +2062,7 @@
           <a:bodyPr/>
           <a:lstStyle/>
           <a:p>
-            <a:fld id="{A326C0B0-7D35-4503-916C-F98078F8F010}" type="datetimeFigureOut">
+            <a:fld id="{1BA196C1-7F76-4053-87D4-8DFE1C37D999}" type="datetimeFigureOut">
               <a:rPr lang="zh-CN" altLang="en-US" smtClean="0"/>
               <a:t>2024/3/10</a:t>
             </a:fld>
@@ -2075,7 +2075,7 @@
           <p:cNvPr id="3" name="页脚占位符 2">
             <a:extLst>
               <a:ext uri="{FF2B5EF4-FFF2-40B4-BE49-F238E27FC236}">
-                <a16:creationId xmlns:a16="http://schemas.microsoft.com/office/drawing/2014/main" id="{42EF0154-AE17-87DA-B332-63C6CED428D3}"/>
+                <a16:creationId xmlns:a16="http://schemas.microsoft.com/office/drawing/2014/main" id="{F17A8073-7971-5F17-69E3-F90B389B1761}"/>
               </a:ext>
             </a:extLst>
           </p:cNvPr>
@@ -2100,7 +2100,7 @@
           <p:cNvPr id="4" name="灯片编号占位符 3">
             <a:extLst>
               <a:ext uri="{FF2B5EF4-FFF2-40B4-BE49-F238E27FC236}">
-                <a16:creationId xmlns:a16="http://schemas.microsoft.com/office/drawing/2014/main" id="{642B3C80-336F-C79C-DE94-323192EBB26C}"/>
+                <a16:creationId xmlns:a16="http://schemas.microsoft.com/office/drawing/2014/main" id="{29F3D101-3B84-9408-285B-46FD94FC1243}"/>
               </a:ext>
             </a:extLst>
           </p:cNvPr>
@@ -2116,7 +2116,7 @@
           <a:bodyPr/>
           <a:lstStyle/>
           <a:p>
-            <a:fld id="{827C9BE7-6310-408F-88FA-8F01B052773F}" type="slidenum">
+            <a:fld id="{833B77E0-984E-4A03-A1B1-03A03CD1702F}" type="slidenum">
               <a:rPr lang="zh-CN" altLang="en-US" smtClean="0"/>
               <a:t>‹#›</a:t>
             </a:fld>
@@ -2127,7 +2127,7 @@
     </p:spTree>
     <p:extLst>
       <p:ext uri="{BB962C8B-B14F-4D97-AF65-F5344CB8AC3E}">
-        <p14:creationId xmlns:p14="http://schemas.microsoft.com/office/powerpoint/2010/main" val="3929361782"/>
+        <p14:creationId xmlns:p14="http://schemas.microsoft.com/office/powerpoint/2010/main" val="602969226"/>
       </p:ext>
     </p:extLst>
   </p:cSld>
@@ -2159,7 +2159,7 @@
           <p:cNvPr id="2" name="标题 1">
             <a:extLst>
               <a:ext uri="{FF2B5EF4-FFF2-40B4-BE49-F238E27FC236}">
-                <a16:creationId xmlns:a16="http://schemas.microsoft.com/office/drawing/2014/main" id="{F6390F80-D3FE-C881-E3A7-37F6BA49057B}"/>
+                <a16:creationId xmlns:a16="http://schemas.microsoft.com/office/drawing/2014/main" id="{8C51513A-94F0-66E9-D88A-93517017694A}"/>
               </a:ext>
             </a:extLst>
           </p:cNvPr>
@@ -2196,7 +2196,7 @@
           <p:cNvPr id="3" name="内容占位符 2">
             <a:extLst>
               <a:ext uri="{FF2B5EF4-FFF2-40B4-BE49-F238E27FC236}">
-                <a16:creationId xmlns:a16="http://schemas.microsoft.com/office/drawing/2014/main" id="{99A4D324-9D02-363A-9C44-0A861027A280}"/>
+                <a16:creationId xmlns:a16="http://schemas.microsoft.com/office/drawing/2014/main" id="{2C3936DE-31DA-EF25-D374-AF50C7DE765E}"/>
               </a:ext>
             </a:extLst>
           </p:cNvPr>
@@ -2286,7 +2286,7 @@
           <p:cNvPr id="4" name="文本占位符 3">
             <a:extLst>
               <a:ext uri="{FF2B5EF4-FFF2-40B4-BE49-F238E27FC236}">
-                <a16:creationId xmlns:a16="http://schemas.microsoft.com/office/drawing/2014/main" id="{3CE0F676-D0F8-CCD7-ABCC-22B41C9C2B1C}"/>
+                <a16:creationId xmlns:a16="http://schemas.microsoft.com/office/drawing/2014/main" id="{5DB31349-F656-F332-88E7-77CA8CD79146}"/>
               </a:ext>
             </a:extLst>
           </p:cNvPr>
@@ -2357,7 +2357,7 @@
           <p:cNvPr id="5" name="日期占位符 4">
             <a:extLst>
               <a:ext uri="{FF2B5EF4-FFF2-40B4-BE49-F238E27FC236}">
-                <a16:creationId xmlns:a16="http://schemas.microsoft.com/office/drawing/2014/main" id="{94F63093-0E26-9952-CD84-7B6CB6386772}"/>
+                <a16:creationId xmlns:a16="http://schemas.microsoft.com/office/drawing/2014/main" id="{F88BF743-57FF-523B-FB1B-88BD6F69A16A}"/>
               </a:ext>
             </a:extLst>
           </p:cNvPr>
@@ -2373,7 +2373,7 @@
           <a:bodyPr/>
           <a:lstStyle/>
           <a:p>
-            <a:fld id="{A326C0B0-7D35-4503-916C-F98078F8F010}" type="datetimeFigureOut">
+            <a:fld id="{1BA196C1-7F76-4053-87D4-8DFE1C37D999}" type="datetimeFigureOut">
               <a:rPr lang="zh-CN" altLang="en-US" smtClean="0"/>
               <a:t>2024/3/10</a:t>
             </a:fld>
@@ -2386,7 +2386,7 @@
           <p:cNvPr id="6" name="页脚占位符 5">
             <a:extLst>
               <a:ext uri="{FF2B5EF4-FFF2-40B4-BE49-F238E27FC236}">
-                <a16:creationId xmlns:a16="http://schemas.microsoft.com/office/drawing/2014/main" id="{B2189FE5-F263-5224-FB92-B7F6E64A40EA}"/>
+                <a16:creationId xmlns:a16="http://schemas.microsoft.com/office/drawing/2014/main" id="{90ECA640-CBD6-31EA-D18F-98A07412624F}"/>
               </a:ext>
             </a:extLst>
           </p:cNvPr>
@@ -2411,7 +2411,7 @@
           <p:cNvPr id="7" name="灯片编号占位符 6">
             <a:extLst>
               <a:ext uri="{FF2B5EF4-FFF2-40B4-BE49-F238E27FC236}">
-                <a16:creationId xmlns:a16="http://schemas.microsoft.com/office/drawing/2014/main" id="{8D49A58F-83DB-5F99-1C4B-93CDF81DFEE7}"/>
+                <a16:creationId xmlns:a16="http://schemas.microsoft.com/office/drawing/2014/main" id="{E22930FA-67A6-44AA-FEF7-656BE3E65BAE}"/>
               </a:ext>
             </a:extLst>
           </p:cNvPr>
@@ -2427,7 +2427,7 @@
           <a:bodyPr/>
           <a:lstStyle/>
           <a:p>
-            <a:fld id="{827C9BE7-6310-408F-88FA-8F01B052773F}" type="slidenum">
+            <a:fld id="{833B77E0-984E-4A03-A1B1-03A03CD1702F}" type="slidenum">
               <a:rPr lang="zh-CN" altLang="en-US" smtClean="0"/>
               <a:t>‹#›</a:t>
             </a:fld>
@@ -2438,7 +2438,7 @@
     </p:spTree>
     <p:extLst>
       <p:ext uri="{BB962C8B-B14F-4D97-AF65-F5344CB8AC3E}">
-        <p14:creationId xmlns:p14="http://schemas.microsoft.com/office/powerpoint/2010/main" val="2907924217"/>
+        <p14:creationId xmlns:p14="http://schemas.microsoft.com/office/powerpoint/2010/main" val="579713512"/>
       </p:ext>
     </p:extLst>
   </p:cSld>
@@ -2470,7 +2470,7 @@
           <p:cNvPr id="2" name="标题 1">
             <a:extLst>
               <a:ext uri="{FF2B5EF4-FFF2-40B4-BE49-F238E27FC236}">
-                <a16:creationId xmlns:a16="http://schemas.microsoft.com/office/drawing/2014/main" id="{944A9279-316A-E50F-1F9F-8EDB8D65F5B6}"/>
+                <a16:creationId xmlns:a16="http://schemas.microsoft.com/office/drawing/2014/main" id="{7D6FAEA5-0821-D4A0-EA7C-D32A276B1A38}"/>
               </a:ext>
             </a:extLst>
           </p:cNvPr>
@@ -2507,7 +2507,7 @@
           <p:cNvPr id="3" name="图片占位符 2">
             <a:extLst>
               <a:ext uri="{FF2B5EF4-FFF2-40B4-BE49-F238E27FC236}">
-                <a16:creationId xmlns:a16="http://schemas.microsoft.com/office/drawing/2014/main" id="{6468B5FA-5170-B18C-6DB9-250085264C6F}"/>
+                <a16:creationId xmlns:a16="http://schemas.microsoft.com/office/drawing/2014/main" id="{57B74E94-0328-FCDF-372B-B71C8223AEA9}"/>
               </a:ext>
             </a:extLst>
           </p:cNvPr>
@@ -2574,7 +2574,7 @@
           <p:cNvPr id="4" name="文本占位符 3">
             <a:extLst>
               <a:ext uri="{FF2B5EF4-FFF2-40B4-BE49-F238E27FC236}">
-                <a16:creationId xmlns:a16="http://schemas.microsoft.com/office/drawing/2014/main" id="{213626FE-2179-687E-5EC2-45C648A9720B}"/>
+                <a16:creationId xmlns:a16="http://schemas.microsoft.com/office/drawing/2014/main" id="{3804AF31-818F-2E0D-7335-4A4AF3B8EE1D}"/>
               </a:ext>
             </a:extLst>
           </p:cNvPr>
@@ -2645,7 +2645,7 @@
           <p:cNvPr id="5" name="日期占位符 4">
             <a:extLst>
               <a:ext uri="{FF2B5EF4-FFF2-40B4-BE49-F238E27FC236}">
-                <a16:creationId xmlns:a16="http://schemas.microsoft.com/office/drawing/2014/main" id="{96371098-F517-616E-B1FA-A509D1A0A88C}"/>
+                <a16:creationId xmlns:a16="http://schemas.microsoft.com/office/drawing/2014/main" id="{E0D562BB-D028-740F-49A0-C2890A7F5765}"/>
               </a:ext>
             </a:extLst>
           </p:cNvPr>
@@ -2661,7 +2661,7 @@
           <a:bodyPr/>
           <a:lstStyle/>
           <a:p>
-            <a:fld id="{A326C0B0-7D35-4503-916C-F98078F8F010}" type="datetimeFigureOut">
+            <a:fld id="{1BA196C1-7F76-4053-87D4-8DFE1C37D999}" type="datetimeFigureOut">
               <a:rPr lang="zh-CN" altLang="en-US" smtClean="0"/>
               <a:t>2024/3/10</a:t>
             </a:fld>
@@ -2674,7 +2674,7 @@
           <p:cNvPr id="6" name="页脚占位符 5">
             <a:extLst>
               <a:ext uri="{FF2B5EF4-FFF2-40B4-BE49-F238E27FC236}">
-                <a16:creationId xmlns:a16="http://schemas.microsoft.com/office/drawing/2014/main" id="{433993B9-8112-F4B2-4A27-B4228FC1AC5B}"/>
+                <a16:creationId xmlns:a16="http://schemas.microsoft.com/office/drawing/2014/main" id="{B007D230-D9AB-8B7B-E6DB-2F91A47B7307}"/>
               </a:ext>
             </a:extLst>
           </p:cNvPr>
@@ -2699,7 +2699,7 @@
           <p:cNvPr id="7" name="灯片编号占位符 6">
             <a:extLst>
               <a:ext uri="{FF2B5EF4-FFF2-40B4-BE49-F238E27FC236}">
-                <a16:creationId xmlns:a16="http://schemas.microsoft.com/office/drawing/2014/main" id="{57937AFF-EAD7-07F2-03DA-37903EB12F17}"/>
+                <a16:creationId xmlns:a16="http://schemas.microsoft.com/office/drawing/2014/main" id="{0F4B944F-C109-AB5E-7ED7-ED49EACB9542}"/>
               </a:ext>
             </a:extLst>
           </p:cNvPr>
@@ -2715,7 +2715,7 @@
           <a:bodyPr/>
           <a:lstStyle/>
           <a:p>
-            <a:fld id="{827C9BE7-6310-408F-88FA-8F01B052773F}" type="slidenum">
+            <a:fld id="{833B77E0-984E-4A03-A1B1-03A03CD1702F}" type="slidenum">
               <a:rPr lang="zh-CN" altLang="en-US" smtClean="0"/>
               <a:t>‹#›</a:t>
             </a:fld>
@@ -2726,7 +2726,7 @@
     </p:spTree>
     <p:extLst>
       <p:ext uri="{BB962C8B-B14F-4D97-AF65-F5344CB8AC3E}">
-        <p14:creationId xmlns:p14="http://schemas.microsoft.com/office/powerpoint/2010/main" val="917096732"/>
+        <p14:creationId xmlns:p14="http://schemas.microsoft.com/office/powerpoint/2010/main" val="663822092"/>
       </p:ext>
     </p:extLst>
   </p:cSld>
@@ -2763,7 +2763,7 @@
           <p:cNvPr id="2" name="标题占位符 1">
             <a:extLst>
               <a:ext uri="{FF2B5EF4-FFF2-40B4-BE49-F238E27FC236}">
-                <a16:creationId xmlns:a16="http://schemas.microsoft.com/office/drawing/2014/main" id="{809843F6-40D5-8584-788C-0D642EABDAFB}"/>
+                <a16:creationId xmlns:a16="http://schemas.microsoft.com/office/drawing/2014/main" id="{9FF40628-E2CD-B221-4BF6-4356CB9C4D6A}"/>
               </a:ext>
             </a:extLst>
           </p:cNvPr>
@@ -2801,7 +2801,7 @@
           <p:cNvPr id="3" name="文本占位符 2">
             <a:extLst>
               <a:ext uri="{FF2B5EF4-FFF2-40B4-BE49-F238E27FC236}">
-                <a16:creationId xmlns:a16="http://schemas.microsoft.com/office/drawing/2014/main" id="{F514F8C4-29A4-10FC-53C2-F72CAC48828C}"/>
+                <a16:creationId xmlns:a16="http://schemas.microsoft.com/office/drawing/2014/main" id="{F16399D2-663A-88BC-5C06-FA18C8600286}"/>
               </a:ext>
             </a:extLst>
           </p:cNvPr>
@@ -2868,7 +2868,7 @@
           <p:cNvPr id="4" name="日期占位符 3">
             <a:extLst>
               <a:ext uri="{FF2B5EF4-FFF2-40B4-BE49-F238E27FC236}">
-                <a16:creationId xmlns:a16="http://schemas.microsoft.com/office/drawing/2014/main" id="{A5056AE8-C171-E25D-24B0-B747907B9D51}"/>
+                <a16:creationId xmlns:a16="http://schemas.microsoft.com/office/drawing/2014/main" id="{47257404-D180-505D-A168-1E350F49A61E}"/>
               </a:ext>
             </a:extLst>
           </p:cNvPr>
@@ -2902,7 +2902,7 @@
             </a:lvl1pPr>
           </a:lstStyle>
           <a:p>
-            <a:fld id="{A326C0B0-7D35-4503-916C-F98078F8F010}" type="datetimeFigureOut">
+            <a:fld id="{1BA196C1-7F76-4053-87D4-8DFE1C37D999}" type="datetimeFigureOut">
               <a:rPr lang="zh-CN" altLang="en-US" smtClean="0"/>
               <a:t>2024/3/10</a:t>
             </a:fld>
@@ -2915,7 +2915,7 @@
           <p:cNvPr id="5" name="页脚占位符 4">
             <a:extLst>
               <a:ext uri="{FF2B5EF4-FFF2-40B4-BE49-F238E27FC236}">
-                <a16:creationId xmlns:a16="http://schemas.microsoft.com/office/drawing/2014/main" id="{81529243-81E0-361B-8E01-74DE2DF36603}"/>
+                <a16:creationId xmlns:a16="http://schemas.microsoft.com/office/drawing/2014/main" id="{564B215B-C809-6529-2D35-A23618FA6932}"/>
               </a:ext>
             </a:extLst>
           </p:cNvPr>
@@ -2958,7 +2958,7 @@
           <p:cNvPr id="6" name="灯片编号占位符 5">
             <a:extLst>
               <a:ext uri="{FF2B5EF4-FFF2-40B4-BE49-F238E27FC236}">
-                <a16:creationId xmlns:a16="http://schemas.microsoft.com/office/drawing/2014/main" id="{96EE85FC-7681-9594-C572-317D2145F4EC}"/>
+                <a16:creationId xmlns:a16="http://schemas.microsoft.com/office/drawing/2014/main" id="{FF71C0DE-746D-3E13-CB51-54C113A7F619}"/>
               </a:ext>
             </a:extLst>
           </p:cNvPr>
@@ -2992,7 +2992,7 @@
             </a:lvl1pPr>
           </a:lstStyle>
           <a:p>
-            <a:fld id="{827C9BE7-6310-408F-88FA-8F01B052773F}" type="slidenum">
+            <a:fld id="{833B77E0-984E-4A03-A1B1-03A03CD1702F}" type="slidenum">
               <a:rPr lang="zh-CN" altLang="en-US" smtClean="0"/>
               <a:t>‹#›</a:t>
             </a:fld>
@@ -3003,7 +3003,7 @@
     </p:spTree>
     <p:extLst>
       <p:ext uri="{BB962C8B-B14F-4D97-AF65-F5344CB8AC3E}">
-        <p14:creationId xmlns:p14="http://schemas.microsoft.com/office/powerpoint/2010/main" val="215636282"/>
+        <p14:creationId xmlns:p14="http://schemas.microsoft.com/office/powerpoint/2010/main" val="991041463"/>
       </p:ext>
     </p:extLst>
   </p:cSld>
@@ -3323,7 +3323,7 @@
       </p:grpSpPr>
       <p:pic>
         <p:nvPicPr>
-          <p:cNvPr id="1081346" name="Picture 2" descr="1055"/>
+          <p:cNvPr id="1082370" name="Picture 2" descr="1056"/>
           <p:cNvPicPr>
             <a:picLocks noChangeAspect="1" noChangeArrowheads="1"/>
           </p:cNvPicPr>
@@ -3344,8 +3344,8 @@
         </p:blipFill>
         <p:spPr bwMode="auto">
           <a:xfrm>
-            <a:off x="1524000" y="1"/>
-            <a:ext cx="9124950" cy="6843713"/>
+            <a:off x="1543050" y="14288"/>
+            <a:ext cx="9124950" cy="6843712"/>
           </a:xfrm>
           <a:prstGeom prst="rect">
             <a:avLst/>
